--- a/Excel Project/PPT on Diabetic Patient Survey.pptx
+++ b/Excel Project/PPT on Diabetic Patient Survey.pptx
@@ -7,8 +7,10 @@
   <p:sldIdLst>
     <p:sldId id="256" r:id="rId2"/>
     <p:sldId id="257" r:id="rId3"/>
-    <p:sldId id="258" r:id="rId4"/>
-    <p:sldId id="259" r:id="rId5"/>
+    <p:sldId id="260" r:id="rId4"/>
+    <p:sldId id="258" r:id="rId5"/>
+    <p:sldId id="261" r:id="rId6"/>
+    <p:sldId id="259" r:id="rId7"/>
   </p:sldIdLst>
   <p:sldSz cx="12192000" cy="6858000"/>
   <p:notesSz cx="6858000" cy="9144000"/>
@@ -107,6 +109,11 @@
       </a:defRPr>
     </a:lvl9pPr>
   </p:defaultTextStyle>
+  <p:extLst>
+    <p:ext uri="{EFAFB233-063F-42B5-8137-9DF3F51BA10A}">
+      <p15:sldGuideLst xmlns:p15="http://schemas.microsoft.com/office/powerpoint/2012/main"/>
+    </p:ext>
+  </p:extLst>
 </p:presentation>
 </file>
 
@@ -298,7 +305,7 @@
           <a:p>
             <a:fld id="{C8B493E4-006B-4873-B6EC-DB9F6BAA898E}" type="datetimeFigureOut">
               <a:rPr lang="en-IN" smtClean="0"/>
-              <a:t>20-07-2024</a:t>
+              <a:t>20-08-2024</a:t>
             </a:fld>
             <a:endParaRPr lang="en-IN"/>
           </a:p>
@@ -636,7 +643,7 @@
           <a:p>
             <a:fld id="{C8B493E4-006B-4873-B6EC-DB9F6BAA898E}" type="datetimeFigureOut">
               <a:rPr lang="en-IN" smtClean="0"/>
-              <a:t>20-07-2024</a:t>
+              <a:t>20-08-2024</a:t>
             </a:fld>
             <a:endParaRPr lang="en-IN"/>
           </a:p>
@@ -1037,7 +1044,7 @@
           <a:p>
             <a:fld id="{C8B493E4-006B-4873-B6EC-DB9F6BAA898E}" type="datetimeFigureOut">
               <a:rPr lang="en-IN" smtClean="0"/>
-              <a:t>20-07-2024</a:t>
+              <a:t>20-08-2024</a:t>
             </a:fld>
             <a:endParaRPr lang="en-IN"/>
           </a:p>
@@ -1373,7 +1380,7 @@
           <a:p>
             <a:fld id="{C8B493E4-006B-4873-B6EC-DB9F6BAA898E}" type="datetimeFigureOut">
               <a:rPr lang="en-IN" smtClean="0"/>
-              <a:t>20-07-2024</a:t>
+              <a:t>20-08-2024</a:t>
             </a:fld>
             <a:endParaRPr lang="en-IN"/>
           </a:p>
@@ -1693,7 +1700,7 @@
           <a:p>
             <a:fld id="{C8B493E4-006B-4873-B6EC-DB9F6BAA898E}" type="datetimeFigureOut">
               <a:rPr lang="en-IN" smtClean="0"/>
-              <a:t>20-07-2024</a:t>
+              <a:t>20-08-2024</a:t>
             </a:fld>
             <a:endParaRPr lang="en-IN"/>
           </a:p>
@@ -2089,7 +2096,7 @@
           <a:p>
             <a:fld id="{C8B493E4-006B-4873-B6EC-DB9F6BAA898E}" type="datetimeFigureOut">
               <a:rPr lang="en-IN" smtClean="0"/>
-              <a:t>20-07-2024</a:t>
+              <a:t>20-08-2024</a:t>
             </a:fld>
             <a:endParaRPr lang="en-IN"/>
           </a:p>
@@ -2346,7 +2353,7 @@
           <a:p>
             <a:fld id="{C8B493E4-006B-4873-B6EC-DB9F6BAA898E}" type="datetimeFigureOut">
               <a:rPr lang="en-IN" smtClean="0"/>
-              <a:t>20-07-2024</a:t>
+              <a:t>20-08-2024</a:t>
             </a:fld>
             <a:endParaRPr lang="en-IN"/>
           </a:p>
@@ -2608,7 +2615,7 @@
           <a:p>
             <a:fld id="{C8B493E4-006B-4873-B6EC-DB9F6BAA898E}" type="datetimeFigureOut">
               <a:rPr lang="en-IN" smtClean="0"/>
-              <a:t>20-07-2024</a:t>
+              <a:t>20-08-2024</a:t>
             </a:fld>
             <a:endParaRPr lang="en-IN"/>
           </a:p>
@@ -2870,7 +2877,7 @@
           <a:p>
             <a:fld id="{C8B493E4-006B-4873-B6EC-DB9F6BAA898E}" type="datetimeFigureOut">
               <a:rPr lang="en-IN" smtClean="0"/>
-              <a:t>20-07-2024</a:t>
+              <a:t>20-08-2024</a:t>
             </a:fld>
             <a:endParaRPr lang="en-IN"/>
           </a:p>
@@ -3199,7 +3206,7 @@
           <a:p>
             <a:fld id="{C8B493E4-006B-4873-B6EC-DB9F6BAA898E}" type="datetimeFigureOut">
               <a:rPr lang="en-IN" smtClean="0"/>
-              <a:t>20-07-2024</a:t>
+              <a:t>20-08-2024</a:t>
             </a:fld>
             <a:endParaRPr lang="en-IN"/>
           </a:p>
@@ -3522,7 +3529,7 @@
           <a:p>
             <a:fld id="{C8B493E4-006B-4873-B6EC-DB9F6BAA898E}" type="datetimeFigureOut">
               <a:rPr lang="en-IN" smtClean="0"/>
-              <a:t>20-07-2024</a:t>
+              <a:t>20-08-2024</a:t>
             </a:fld>
             <a:endParaRPr lang="en-IN"/>
           </a:p>
@@ -3979,7 +3986,7 @@
           <a:p>
             <a:fld id="{C8B493E4-006B-4873-B6EC-DB9F6BAA898E}" type="datetimeFigureOut">
               <a:rPr lang="en-IN" smtClean="0"/>
-              <a:t>20-07-2024</a:t>
+              <a:t>20-08-2024</a:t>
             </a:fld>
             <a:endParaRPr lang="en-IN"/>
           </a:p>
@@ -4184,7 +4191,7 @@
           <a:p>
             <a:fld id="{C8B493E4-006B-4873-B6EC-DB9F6BAA898E}" type="datetimeFigureOut">
               <a:rPr lang="en-IN" smtClean="0"/>
-              <a:t>20-07-2024</a:t>
+              <a:t>20-08-2024</a:t>
             </a:fld>
             <a:endParaRPr lang="en-IN"/>
           </a:p>
@@ -4361,7 +4368,7 @@
           <a:p>
             <a:fld id="{C8B493E4-006B-4873-B6EC-DB9F6BAA898E}" type="datetimeFigureOut">
               <a:rPr lang="en-IN" smtClean="0"/>
-              <a:t>20-07-2024</a:t>
+              <a:t>20-08-2024</a:t>
             </a:fld>
             <a:endParaRPr lang="en-IN"/>
           </a:p>
@@ -4694,7 +4701,7 @@
           <a:p>
             <a:fld id="{C8B493E4-006B-4873-B6EC-DB9F6BAA898E}" type="datetimeFigureOut">
               <a:rPr lang="en-IN" smtClean="0"/>
-              <a:t>20-07-2024</a:t>
+              <a:t>20-08-2024</a:t>
             </a:fld>
             <a:endParaRPr lang="en-IN"/>
           </a:p>
@@ -5039,7 +5046,7 @@
           <a:p>
             <a:fld id="{C8B493E4-006B-4873-B6EC-DB9F6BAA898E}" type="datetimeFigureOut">
               <a:rPr lang="en-IN" smtClean="0"/>
-              <a:t>20-07-2024</a:t>
+              <a:t>20-08-2024</a:t>
             </a:fld>
             <a:endParaRPr lang="en-IN"/>
           </a:p>
@@ -7156,7 +7163,7 @@
           <a:p>
             <a:fld id="{C8B493E4-006B-4873-B6EC-DB9F6BAA898E}" type="datetimeFigureOut">
               <a:rPr lang="en-IN" smtClean="0"/>
-              <a:t>20-07-2024</a:t>
+              <a:t>20-08-2024</a:t>
             </a:fld>
             <a:endParaRPr lang="en-IN"/>
           </a:p>
@@ -8354,6 +8361,100 @@
           <p:cNvPr id="2" name="Title 1">
             <a:extLst>
               <a:ext uri="{FF2B5EF4-FFF2-40B4-BE49-F238E27FC236}">
+                <a16:creationId xmlns:a16="http://schemas.microsoft.com/office/drawing/2014/main" id="{02A157D3-3D04-4FE9-9AAD-7A22F860FC3C}"/>
+              </a:ext>
+            </a:extLst>
+          </p:cNvPr>
+          <p:cNvSpPr>
+            <a:spLocks noGrp="1"/>
+          </p:cNvSpPr>
+          <p:nvPr>
+            <p:ph type="title"/>
+          </p:nvPr>
+        </p:nvSpPr>
+        <p:spPr>
+          <a:xfrm>
+            <a:off x="1640156" y="449298"/>
+            <a:ext cx="8911687" cy="734043"/>
+          </a:xfrm>
+        </p:spPr>
+        <p:txBody>
+          <a:bodyPr>
+            <a:normAutofit/>
+          </a:bodyPr>
+          <a:lstStyle/>
+          <a:p>
+            <a:r>
+              <a:rPr lang="en-IN" sz="4000" dirty="0"/>
+              <a:t>Pivote Tables</a:t>
+            </a:r>
+          </a:p>
+        </p:txBody>
+      </p:sp>
+      <p:pic>
+        <p:nvPicPr>
+          <p:cNvPr id="5" name="Content Placeholder 4">
+            <a:extLst>
+              <a:ext uri="{FF2B5EF4-FFF2-40B4-BE49-F238E27FC236}">
+                <a16:creationId xmlns:a16="http://schemas.microsoft.com/office/drawing/2014/main" id="{5C721AEF-7E79-419F-8C18-6A46A1BCBCDF}"/>
+              </a:ext>
+            </a:extLst>
+          </p:cNvPr>
+          <p:cNvPicPr>
+            <a:picLocks noGrp="1" noChangeAspect="1"/>
+          </p:cNvPicPr>
+          <p:nvPr>
+            <p:ph idx="1"/>
+          </p:nvPr>
+        </p:nvPicPr>
+        <p:blipFill>
+          <a:blip r:embed="rId2"/>
+          <a:stretch>
+            <a:fillRect/>
+          </a:stretch>
+        </p:blipFill>
+        <p:spPr>
+          <a:xfrm>
+            <a:off x="551330" y="1183341"/>
+            <a:ext cx="11161058" cy="5674659"/>
+          </a:xfrm>
+        </p:spPr>
+      </p:pic>
+    </p:spTree>
+    <p:extLst>
+      <p:ext uri="{BB962C8B-B14F-4D97-AF65-F5344CB8AC3E}">
+        <p14:creationId xmlns:p14="http://schemas.microsoft.com/office/powerpoint/2010/main" val="1636526377"/>
+      </p:ext>
+    </p:extLst>
+  </p:cSld>
+  <p:clrMapOvr>
+    <a:masterClrMapping/>
+  </p:clrMapOvr>
+</p:sld>
+</file>
+
+<file path=ppt/slides/slide4.xml><?xml version="1.0" encoding="utf-8"?>
+<p:sld xmlns:a="http://schemas.openxmlformats.org/drawingml/2006/main" xmlns:r="http://schemas.openxmlformats.org/officeDocument/2006/relationships" xmlns:p="http://schemas.openxmlformats.org/presentationml/2006/main">
+  <p:cSld>
+    <p:spTree>
+      <p:nvGrpSpPr>
+        <p:cNvPr id="1" name=""/>
+        <p:cNvGrpSpPr/>
+        <p:nvPr/>
+      </p:nvGrpSpPr>
+      <p:grpSpPr>
+        <a:xfrm>
+          <a:off x="0" y="0"/>
+          <a:ext cx="0" cy="0"/>
+          <a:chOff x="0" y="0"/>
+          <a:chExt cx="0" cy="0"/>
+        </a:xfrm>
+      </p:grpSpPr>
+      <p:sp>
+        <p:nvSpPr>
+          <p:cNvPr id="2" name="Title 1">
+            <a:extLst>
+              <a:ext uri="{FF2B5EF4-FFF2-40B4-BE49-F238E27FC236}">
                 <a16:creationId xmlns:a16="http://schemas.microsoft.com/office/drawing/2014/main" id="{4FD0E884-F2F6-45C7-B20C-75DBB56F096B}"/>
               </a:ext>
             </a:extLst>
@@ -8499,7 +8600,94 @@
 </p:sld>
 </file>
 
-<file path=ppt/slides/slide4.xml><?xml version="1.0" encoding="utf-8"?>
+<file path=ppt/slides/slide5.xml><?xml version="1.0" encoding="utf-8"?>
+<p:sld xmlns:a="http://schemas.openxmlformats.org/drawingml/2006/main" xmlns:r="http://schemas.openxmlformats.org/officeDocument/2006/relationships" xmlns:p="http://schemas.openxmlformats.org/presentationml/2006/main">
+  <p:cSld>
+    <p:spTree>
+      <p:nvGrpSpPr>
+        <p:cNvPr id="1" name=""/>
+        <p:cNvGrpSpPr/>
+        <p:nvPr/>
+      </p:nvGrpSpPr>
+      <p:grpSpPr>
+        <a:xfrm>
+          <a:off x="0" y="0"/>
+          <a:ext cx="0" cy="0"/>
+          <a:chOff x="0" y="0"/>
+          <a:chExt cx="0" cy="0"/>
+        </a:xfrm>
+      </p:grpSpPr>
+      <p:sp>
+        <p:nvSpPr>
+          <p:cNvPr id="2" name="Title 1">
+            <a:extLst>
+              <a:ext uri="{FF2B5EF4-FFF2-40B4-BE49-F238E27FC236}">
+                <a16:creationId xmlns:a16="http://schemas.microsoft.com/office/drawing/2014/main" id="{7DAA6866-1614-4B1C-8905-0E87AD4D17D2}"/>
+              </a:ext>
+            </a:extLst>
+          </p:cNvPr>
+          <p:cNvSpPr>
+            <a:spLocks noGrp="1"/>
+          </p:cNvSpPr>
+          <p:nvPr>
+            <p:ph type="title"/>
+          </p:nvPr>
+        </p:nvSpPr>
+        <p:spPr/>
+        <p:txBody>
+          <a:bodyPr/>
+          <a:lstStyle/>
+          <a:p>
+            <a:r>
+              <a:rPr lang="en-IN" dirty="0"/>
+              <a:t>Slicers inserted into worksheets</a:t>
+            </a:r>
+          </a:p>
+        </p:txBody>
+      </p:sp>
+      <p:pic>
+        <p:nvPicPr>
+          <p:cNvPr id="5" name="Content Placeholder 4">
+            <a:extLst>
+              <a:ext uri="{FF2B5EF4-FFF2-40B4-BE49-F238E27FC236}">
+                <a16:creationId xmlns:a16="http://schemas.microsoft.com/office/drawing/2014/main" id="{BF32363B-C705-43C3-A53B-480A6CDBFEE2}"/>
+              </a:ext>
+            </a:extLst>
+          </p:cNvPr>
+          <p:cNvPicPr>
+            <a:picLocks noGrp="1" noChangeAspect="1"/>
+          </p:cNvPicPr>
+          <p:nvPr>
+            <p:ph idx="1"/>
+          </p:nvPr>
+        </p:nvPicPr>
+        <p:blipFill>
+          <a:blip r:embed="rId2"/>
+          <a:stretch>
+            <a:fillRect/>
+          </a:stretch>
+        </p:blipFill>
+        <p:spPr>
+          <a:xfrm>
+            <a:off x="3792071" y="1506071"/>
+            <a:ext cx="9399494" cy="5082988"/>
+          </a:xfrm>
+        </p:spPr>
+      </p:pic>
+    </p:spTree>
+    <p:extLst>
+      <p:ext uri="{BB962C8B-B14F-4D97-AF65-F5344CB8AC3E}">
+        <p14:creationId xmlns:p14="http://schemas.microsoft.com/office/powerpoint/2010/main" val="2541982734"/>
+      </p:ext>
+    </p:extLst>
+  </p:cSld>
+  <p:clrMapOvr>
+    <a:masterClrMapping/>
+  </p:clrMapOvr>
+</p:sld>
+</file>
+
+<file path=ppt/slides/slide6.xml><?xml version="1.0" encoding="utf-8"?>
 <p:sld xmlns:a="http://schemas.openxmlformats.org/drawingml/2006/main" xmlns:r="http://schemas.openxmlformats.org/officeDocument/2006/relationships" xmlns:p="http://schemas.openxmlformats.org/presentationml/2006/main">
   <p:cSld>
     <p:spTree>

--- a/Excel Project/PPT on Diabetic Patient Survey.pptx
+++ b/Excel Project/PPT on Diabetic Patient Survey.pptx
@@ -305,7 +305,7 @@
           <a:p>
             <a:fld id="{C8B493E4-006B-4873-B6EC-DB9F6BAA898E}" type="datetimeFigureOut">
               <a:rPr lang="en-IN" smtClean="0"/>
-              <a:t>20-08-2024</a:t>
+              <a:t>26-08-2024</a:t>
             </a:fld>
             <a:endParaRPr lang="en-IN"/>
           </a:p>
@@ -643,7 +643,7 @@
           <a:p>
             <a:fld id="{C8B493E4-006B-4873-B6EC-DB9F6BAA898E}" type="datetimeFigureOut">
               <a:rPr lang="en-IN" smtClean="0"/>
-              <a:t>20-08-2024</a:t>
+              <a:t>26-08-2024</a:t>
             </a:fld>
             <a:endParaRPr lang="en-IN"/>
           </a:p>
@@ -1044,7 +1044,7 @@
           <a:p>
             <a:fld id="{C8B493E4-006B-4873-B6EC-DB9F6BAA898E}" type="datetimeFigureOut">
               <a:rPr lang="en-IN" smtClean="0"/>
-              <a:t>20-08-2024</a:t>
+              <a:t>26-08-2024</a:t>
             </a:fld>
             <a:endParaRPr lang="en-IN"/>
           </a:p>
@@ -1380,7 +1380,7 @@
           <a:p>
             <a:fld id="{C8B493E4-006B-4873-B6EC-DB9F6BAA898E}" type="datetimeFigureOut">
               <a:rPr lang="en-IN" smtClean="0"/>
-              <a:t>20-08-2024</a:t>
+              <a:t>26-08-2024</a:t>
             </a:fld>
             <a:endParaRPr lang="en-IN"/>
           </a:p>
@@ -1700,7 +1700,7 @@
           <a:p>
             <a:fld id="{C8B493E4-006B-4873-B6EC-DB9F6BAA898E}" type="datetimeFigureOut">
               <a:rPr lang="en-IN" smtClean="0"/>
-              <a:t>20-08-2024</a:t>
+              <a:t>26-08-2024</a:t>
             </a:fld>
             <a:endParaRPr lang="en-IN"/>
           </a:p>
@@ -2096,7 +2096,7 @@
           <a:p>
             <a:fld id="{C8B493E4-006B-4873-B6EC-DB9F6BAA898E}" type="datetimeFigureOut">
               <a:rPr lang="en-IN" smtClean="0"/>
-              <a:t>20-08-2024</a:t>
+              <a:t>26-08-2024</a:t>
             </a:fld>
             <a:endParaRPr lang="en-IN"/>
           </a:p>
@@ -2353,7 +2353,7 @@
           <a:p>
             <a:fld id="{C8B493E4-006B-4873-B6EC-DB9F6BAA898E}" type="datetimeFigureOut">
               <a:rPr lang="en-IN" smtClean="0"/>
-              <a:t>20-08-2024</a:t>
+              <a:t>26-08-2024</a:t>
             </a:fld>
             <a:endParaRPr lang="en-IN"/>
           </a:p>
@@ -2615,7 +2615,7 @@
           <a:p>
             <a:fld id="{C8B493E4-006B-4873-B6EC-DB9F6BAA898E}" type="datetimeFigureOut">
               <a:rPr lang="en-IN" smtClean="0"/>
-              <a:t>20-08-2024</a:t>
+              <a:t>26-08-2024</a:t>
             </a:fld>
             <a:endParaRPr lang="en-IN"/>
           </a:p>
@@ -2877,7 +2877,7 @@
           <a:p>
             <a:fld id="{C8B493E4-006B-4873-B6EC-DB9F6BAA898E}" type="datetimeFigureOut">
               <a:rPr lang="en-IN" smtClean="0"/>
-              <a:t>20-08-2024</a:t>
+              <a:t>26-08-2024</a:t>
             </a:fld>
             <a:endParaRPr lang="en-IN"/>
           </a:p>
@@ -3206,7 +3206,7 @@
           <a:p>
             <a:fld id="{C8B493E4-006B-4873-B6EC-DB9F6BAA898E}" type="datetimeFigureOut">
               <a:rPr lang="en-IN" smtClean="0"/>
-              <a:t>20-08-2024</a:t>
+              <a:t>26-08-2024</a:t>
             </a:fld>
             <a:endParaRPr lang="en-IN"/>
           </a:p>
@@ -3529,7 +3529,7 @@
           <a:p>
             <a:fld id="{C8B493E4-006B-4873-B6EC-DB9F6BAA898E}" type="datetimeFigureOut">
               <a:rPr lang="en-IN" smtClean="0"/>
-              <a:t>20-08-2024</a:t>
+              <a:t>26-08-2024</a:t>
             </a:fld>
             <a:endParaRPr lang="en-IN"/>
           </a:p>
@@ -3986,7 +3986,7 @@
           <a:p>
             <a:fld id="{C8B493E4-006B-4873-B6EC-DB9F6BAA898E}" type="datetimeFigureOut">
               <a:rPr lang="en-IN" smtClean="0"/>
-              <a:t>20-08-2024</a:t>
+              <a:t>26-08-2024</a:t>
             </a:fld>
             <a:endParaRPr lang="en-IN"/>
           </a:p>
@@ -4191,7 +4191,7 @@
           <a:p>
             <a:fld id="{C8B493E4-006B-4873-B6EC-DB9F6BAA898E}" type="datetimeFigureOut">
               <a:rPr lang="en-IN" smtClean="0"/>
-              <a:t>20-08-2024</a:t>
+              <a:t>26-08-2024</a:t>
             </a:fld>
             <a:endParaRPr lang="en-IN"/>
           </a:p>
@@ -4368,7 +4368,7 @@
           <a:p>
             <a:fld id="{C8B493E4-006B-4873-B6EC-DB9F6BAA898E}" type="datetimeFigureOut">
               <a:rPr lang="en-IN" smtClean="0"/>
-              <a:t>20-08-2024</a:t>
+              <a:t>26-08-2024</a:t>
             </a:fld>
             <a:endParaRPr lang="en-IN"/>
           </a:p>
@@ -4701,7 +4701,7 @@
           <a:p>
             <a:fld id="{C8B493E4-006B-4873-B6EC-DB9F6BAA898E}" type="datetimeFigureOut">
               <a:rPr lang="en-IN" smtClean="0"/>
-              <a:t>20-08-2024</a:t>
+              <a:t>26-08-2024</a:t>
             </a:fld>
             <a:endParaRPr lang="en-IN"/>
           </a:p>
@@ -5046,7 +5046,7 @@
           <a:p>
             <a:fld id="{C8B493E4-006B-4873-B6EC-DB9F6BAA898E}" type="datetimeFigureOut">
               <a:rPr lang="en-IN" smtClean="0"/>
-              <a:t>20-08-2024</a:t>
+              <a:t>26-08-2024</a:t>
             </a:fld>
             <a:endParaRPr lang="en-IN"/>
           </a:p>
@@ -7163,7 +7163,7 @@
           <a:p>
             <a:fld id="{C8B493E4-006B-4873-B6EC-DB9F6BAA898E}" type="datetimeFigureOut">
               <a:rPr lang="en-IN" smtClean="0"/>
-              <a:t>20-08-2024</a:t>
+              <a:t>26-08-2024</a:t>
             </a:fld>
             <a:endParaRPr lang="en-IN"/>
           </a:p>
@@ -7933,13 +7933,17 @@
           <a:lstStyle/>
           <a:p>
             <a:r>
-              <a:rPr lang="en-IN" dirty="0"/>
+              <a:rPr lang="en-IN" dirty="0">
+                <a:latin typeface="+mj-lt"/>
+              </a:rPr>
               <a:t>Diabetes leads to serious health problem.</a:t>
             </a:r>
           </a:p>
           <a:p>
             <a:r>
-              <a:rPr lang="en-IN" dirty="0"/>
+              <a:rPr lang="en-IN" dirty="0">
+                <a:latin typeface="+mj-lt"/>
+              </a:rPr>
               <a:t>No cure for Diabetes.</a:t>
             </a:r>
           </a:p>
@@ -7949,26 +7953,26 @@
                 <a:solidFill>
                   <a:srgbClr val="001D35"/>
                 </a:solidFill>
-                <a:latin typeface="Google Sans"/>
+                <a:latin typeface="+mj-lt"/>
               </a:rPr>
               <a:t>I</a:t>
             </a:r>
             <a:r>
-              <a:rPr lang="en-GB" b="0" i="0" dirty="0">
+              <a:rPr lang="en-GB" i="0" dirty="0">
                 <a:solidFill>
                   <a:srgbClr val="001D35"/>
                 </a:solidFill>
                 <a:effectLst/>
-                <a:latin typeface="Google Sans"/>
+                <a:latin typeface="+mj-lt"/>
               </a:rPr>
               <a:t>ts consequences avoided or delayed with diet, physical activity, medication</a:t>
             </a:r>
-            <a:endParaRPr lang="en-IN" b="0" i="0" dirty="0">
+            <a:endParaRPr lang="en-IN" i="0" dirty="0">
               <a:solidFill>
                 <a:srgbClr val="001D35"/>
               </a:solidFill>
               <a:effectLst/>
-              <a:latin typeface="Google Sans"/>
+              <a:latin typeface="+mj-lt"/>
             </a:endParaRPr>
           </a:p>
           <a:p>
@@ -7977,21 +7981,23 @@
                 <a:solidFill>
                   <a:srgbClr val="001D35"/>
                 </a:solidFill>
-                <a:latin typeface="Google Sans"/>
+                <a:latin typeface="+mj-lt"/>
               </a:rPr>
               <a:t>R</a:t>
             </a:r>
             <a:r>
-              <a:rPr lang="en-GB" b="0" i="0" dirty="0">
+              <a:rPr lang="en-GB" i="0" dirty="0">
                 <a:solidFill>
                   <a:srgbClr val="001D35"/>
                 </a:solidFill>
                 <a:effectLst/>
-                <a:latin typeface="Google Sans"/>
+                <a:latin typeface="+mj-lt"/>
               </a:rPr>
               <a:t>egular screening and treatment for complications</a:t>
             </a:r>
-            <a:endParaRPr lang="en-IN" dirty="0"/>
+            <a:endParaRPr lang="en-IN" dirty="0">
+              <a:latin typeface="+mj-lt"/>
+            </a:endParaRPr>
           </a:p>
         </p:txBody>
       </p:sp>
